--- a/Presentation/hugtree.pptx
+++ b/Presentation/hugtree.pptx
@@ -288,6 +288,7 @@
           <a:p>
             <a:fld id="{67580A74-3BFA-463F-B4B6-117FA96A8B56}" type="datetimeFigureOut">
               <a:rPr lang="sv-SE" smtClean="0"/>
+              <a:pPr/>
               <a:t>2017-04-25</a:t>
             </a:fld>
             <a:endParaRPr lang="sv-SE"/>
@@ -330,6 +331,7 @@
           <a:p>
             <a:fld id="{19411AD6-B4B3-4F4B-A2F5-7A8FB4B2B01E}" type="slidenum">
               <a:rPr lang="sv-SE" smtClean="0"/>
+              <a:pPr/>
               <a:t>‹#›</a:t>
             </a:fld>
             <a:endParaRPr lang="sv-SE"/>
@@ -453,6 +455,7 @@
           <a:p>
             <a:fld id="{67580A74-3BFA-463F-B4B6-117FA96A8B56}" type="datetimeFigureOut">
               <a:rPr lang="sv-SE" smtClean="0"/>
+              <a:pPr/>
               <a:t>2017-04-25</a:t>
             </a:fld>
             <a:endParaRPr lang="sv-SE"/>
@@ -495,6 +498,7 @@
           <a:p>
             <a:fld id="{19411AD6-B4B3-4F4B-A2F5-7A8FB4B2B01E}" type="slidenum">
               <a:rPr lang="sv-SE" smtClean="0"/>
+              <a:pPr/>
               <a:t>‹#›</a:t>
             </a:fld>
             <a:endParaRPr lang="sv-SE"/>
@@ -628,6 +632,7 @@
           <a:p>
             <a:fld id="{67580A74-3BFA-463F-B4B6-117FA96A8B56}" type="datetimeFigureOut">
               <a:rPr lang="sv-SE" smtClean="0"/>
+              <a:pPr/>
               <a:t>2017-04-25</a:t>
             </a:fld>
             <a:endParaRPr lang="sv-SE"/>
@@ -670,6 +675,7 @@
           <a:p>
             <a:fld id="{19411AD6-B4B3-4F4B-A2F5-7A8FB4B2B01E}" type="slidenum">
               <a:rPr lang="sv-SE" smtClean="0"/>
+              <a:pPr/>
               <a:t>‹#›</a:t>
             </a:fld>
             <a:endParaRPr lang="sv-SE"/>
@@ -793,6 +799,7 @@
           <a:p>
             <a:fld id="{67580A74-3BFA-463F-B4B6-117FA96A8B56}" type="datetimeFigureOut">
               <a:rPr lang="sv-SE" smtClean="0"/>
+              <a:pPr/>
               <a:t>2017-04-25</a:t>
             </a:fld>
             <a:endParaRPr lang="sv-SE"/>
@@ -835,6 +842,7 @@
           <a:p>
             <a:fld id="{19411AD6-B4B3-4F4B-A2F5-7A8FB4B2B01E}" type="slidenum">
               <a:rPr lang="sv-SE" smtClean="0"/>
+              <a:pPr/>
               <a:t>‹#›</a:t>
             </a:fld>
             <a:endParaRPr lang="sv-SE"/>
@@ -1034,6 +1042,7 @@
           <a:p>
             <a:fld id="{67580A74-3BFA-463F-B4B6-117FA96A8B56}" type="datetimeFigureOut">
               <a:rPr lang="sv-SE" smtClean="0"/>
+              <a:pPr/>
               <a:t>2017-04-25</a:t>
             </a:fld>
             <a:endParaRPr lang="sv-SE"/>
@@ -1076,6 +1085,7 @@
           <a:p>
             <a:fld id="{19411AD6-B4B3-4F4B-A2F5-7A8FB4B2B01E}" type="slidenum">
               <a:rPr lang="sv-SE" smtClean="0"/>
+              <a:pPr/>
               <a:t>‹#›</a:t>
             </a:fld>
             <a:endParaRPr lang="sv-SE"/>
@@ -1317,6 +1327,7 @@
           <a:p>
             <a:fld id="{67580A74-3BFA-463F-B4B6-117FA96A8B56}" type="datetimeFigureOut">
               <a:rPr lang="sv-SE" smtClean="0"/>
+              <a:pPr/>
               <a:t>2017-04-25</a:t>
             </a:fld>
             <a:endParaRPr lang="sv-SE"/>
@@ -1359,6 +1370,7 @@
           <a:p>
             <a:fld id="{19411AD6-B4B3-4F4B-A2F5-7A8FB4B2B01E}" type="slidenum">
               <a:rPr lang="sv-SE" smtClean="0"/>
+              <a:pPr/>
               <a:t>‹#›</a:t>
             </a:fld>
             <a:endParaRPr lang="sv-SE"/>
@@ -1734,6 +1746,7 @@
           <a:p>
             <a:fld id="{67580A74-3BFA-463F-B4B6-117FA96A8B56}" type="datetimeFigureOut">
               <a:rPr lang="sv-SE" smtClean="0"/>
+              <a:pPr/>
               <a:t>2017-04-25</a:t>
             </a:fld>
             <a:endParaRPr lang="sv-SE"/>
@@ -1776,6 +1789,7 @@
           <a:p>
             <a:fld id="{19411AD6-B4B3-4F4B-A2F5-7A8FB4B2B01E}" type="slidenum">
               <a:rPr lang="sv-SE" smtClean="0"/>
+              <a:pPr/>
               <a:t>‹#›</a:t>
             </a:fld>
             <a:endParaRPr lang="sv-SE"/>
@@ -1847,6 +1861,7 @@
           <a:p>
             <a:fld id="{67580A74-3BFA-463F-B4B6-117FA96A8B56}" type="datetimeFigureOut">
               <a:rPr lang="sv-SE" smtClean="0"/>
+              <a:pPr/>
               <a:t>2017-04-25</a:t>
             </a:fld>
             <a:endParaRPr lang="sv-SE"/>
@@ -1889,6 +1904,7 @@
           <a:p>
             <a:fld id="{19411AD6-B4B3-4F4B-A2F5-7A8FB4B2B01E}" type="slidenum">
               <a:rPr lang="sv-SE" smtClean="0"/>
+              <a:pPr/>
               <a:t>‹#›</a:t>
             </a:fld>
             <a:endParaRPr lang="sv-SE"/>
@@ -1937,6 +1953,7 @@
           <a:p>
             <a:fld id="{67580A74-3BFA-463F-B4B6-117FA96A8B56}" type="datetimeFigureOut">
               <a:rPr lang="sv-SE" smtClean="0"/>
+              <a:pPr/>
               <a:t>2017-04-25</a:t>
             </a:fld>
             <a:endParaRPr lang="sv-SE"/>
@@ -1979,6 +1996,7 @@
           <a:p>
             <a:fld id="{19411AD6-B4B3-4F4B-A2F5-7A8FB4B2B01E}" type="slidenum">
               <a:rPr lang="sv-SE" smtClean="0"/>
+              <a:pPr/>
               <a:t>‹#›</a:t>
             </a:fld>
             <a:endParaRPr lang="sv-SE"/>
@@ -2209,6 +2227,7 @@
           <a:p>
             <a:fld id="{67580A74-3BFA-463F-B4B6-117FA96A8B56}" type="datetimeFigureOut">
               <a:rPr lang="sv-SE" smtClean="0"/>
+              <a:pPr/>
               <a:t>2017-04-25</a:t>
             </a:fld>
             <a:endParaRPr lang="sv-SE"/>
@@ -2251,6 +2270,7 @@
           <a:p>
             <a:fld id="{19411AD6-B4B3-4F4B-A2F5-7A8FB4B2B01E}" type="slidenum">
               <a:rPr lang="sv-SE" smtClean="0"/>
+              <a:pPr/>
               <a:t>‹#›</a:t>
             </a:fld>
             <a:endParaRPr lang="sv-SE"/>
@@ -2457,6 +2477,7 @@
           <a:p>
             <a:fld id="{67580A74-3BFA-463F-B4B6-117FA96A8B56}" type="datetimeFigureOut">
               <a:rPr lang="sv-SE" smtClean="0"/>
+              <a:pPr/>
               <a:t>2017-04-25</a:t>
             </a:fld>
             <a:endParaRPr lang="sv-SE"/>
@@ -2499,6 +2520,7 @@
           <a:p>
             <a:fld id="{19411AD6-B4B3-4F4B-A2F5-7A8FB4B2B01E}" type="slidenum">
               <a:rPr lang="sv-SE" smtClean="0"/>
+              <a:pPr/>
               <a:t>‹#›</a:t>
             </a:fld>
             <a:endParaRPr lang="sv-SE"/>
@@ -2665,6 +2687,7 @@
           <a:p>
             <a:fld id="{67580A74-3BFA-463F-B4B6-117FA96A8B56}" type="datetimeFigureOut">
               <a:rPr lang="sv-SE" smtClean="0"/>
+              <a:pPr/>
               <a:t>2017-04-25</a:t>
             </a:fld>
             <a:endParaRPr lang="sv-SE"/>
@@ -2743,6 +2766,7 @@
           <a:p>
             <a:fld id="{19411AD6-B4B3-4F4B-A2F5-7A8FB4B2B01E}" type="slidenum">
               <a:rPr lang="sv-SE" smtClean="0"/>
+              <a:pPr/>
               <a:t>‹#›</a:t>
             </a:fld>
             <a:endParaRPr lang="sv-SE"/>
@@ -3278,6 +3302,79 @@
           </a:fontRef>
         </p:style>
       </p:cxnSp>
+      <p:sp>
+        <p:nvSpPr>
+          <p:cNvPr id="9" name="Ellips 8"/>
+          <p:cNvSpPr/>
+          <p:nvPr/>
+        </p:nvSpPr>
+        <p:spPr>
+          <a:xfrm>
+            <a:off x="6084168" y="1412776"/>
+            <a:ext cx="1872208" cy="648072"/>
+          </a:xfrm>
+          <a:prstGeom prst="ellipse">
+            <a:avLst/>
+          </a:prstGeom>
+          <a:solidFill>
+            <a:schemeClr val="bg1"/>
+          </a:solidFill>
+        </p:spPr>
+        <p:style>
+          <a:lnRef idx="2">
+            <a:schemeClr val="accent1">
+              <a:shade val="50000"/>
+            </a:schemeClr>
+          </a:lnRef>
+          <a:fillRef idx="1">
+            <a:schemeClr val="accent1"/>
+          </a:fillRef>
+          <a:effectRef idx="0">
+            <a:schemeClr val="accent1"/>
+          </a:effectRef>
+          <a:fontRef idx="minor">
+            <a:schemeClr val="lt1"/>
+          </a:fontRef>
+        </p:style>
+        <p:txBody>
+          <a:bodyPr rtlCol="0" anchor="ctr"/>
+          <a:lstStyle/>
+          <a:p>
+            <a:pPr algn="ctr"/>
+            <a:endParaRPr lang="sv-SE"/>
+          </a:p>
+        </p:txBody>
+      </p:sp>
+      <p:sp>
+        <p:nvSpPr>
+          <p:cNvPr id="11" name="textruta 10"/>
+          <p:cNvSpPr txBox="1"/>
+          <p:nvPr/>
+        </p:nvSpPr>
+        <p:spPr>
+          <a:xfrm>
+            <a:off x="6228184" y="1484784"/>
+            <a:ext cx="1584176" cy="553998"/>
+          </a:xfrm>
+          <a:prstGeom prst="rect">
+            <a:avLst/>
+          </a:prstGeom>
+          <a:noFill/>
+        </p:spPr>
+        <p:txBody>
+          <a:bodyPr wrap="square" rtlCol="0">
+            <a:spAutoFit/>
+          </a:bodyPr>
+          <a:lstStyle/>
+          <a:p>
+            <a:r>
+              <a:rPr lang="sv-SE" sz="1000" dirty="0" smtClean="0"/>
+              <a:t>Ikonen ökar ju längre distans man vill ha(settings)</a:t>
+            </a:r>
+            <a:endParaRPr lang="sv-SE" sz="1000" dirty="0"/>
+          </a:p>
+        </p:txBody>
+      </p:sp>
     </p:spTree>
   </p:cSld>
   <p:clrMapOvr>

--- a/Presentation/hugtree.pptx
+++ b/Presentation/hugtree.pptx
@@ -3310,7 +3310,7 @@
         </p:nvSpPr>
         <p:spPr>
           <a:xfrm>
-            <a:off x="6084168" y="1412776"/>
+            <a:off x="5796136" y="1412776"/>
             <a:ext cx="1872208" cy="648072"/>
           </a:xfrm>
           <a:prstGeom prst="ellipse">
@@ -3370,6 +3370,157 @@
             <a:r>
               <a:rPr lang="sv-SE" sz="1000" dirty="0" smtClean="0"/>
               <a:t>Ikonen ökar ju längre distans man vill ha(settings)</a:t>
+            </a:r>
+            <a:endParaRPr lang="sv-SE" sz="1000" dirty="0"/>
+          </a:p>
+        </p:txBody>
+      </p:sp>
+      <p:sp>
+        <p:nvSpPr>
+          <p:cNvPr id="13" name="Ellips 12"/>
+          <p:cNvSpPr/>
+          <p:nvPr/>
+        </p:nvSpPr>
+        <p:spPr>
+          <a:xfrm>
+            <a:off x="5580112" y="692696"/>
+            <a:ext cx="1728192" cy="648072"/>
+          </a:xfrm>
+          <a:prstGeom prst="ellipse">
+            <a:avLst/>
+          </a:prstGeom>
+          <a:solidFill>
+            <a:schemeClr val="bg1"/>
+          </a:solidFill>
+        </p:spPr>
+        <p:style>
+          <a:lnRef idx="2">
+            <a:schemeClr val="accent1">
+              <a:shade val="50000"/>
+            </a:schemeClr>
+          </a:lnRef>
+          <a:fillRef idx="1">
+            <a:schemeClr val="accent1"/>
+          </a:fillRef>
+          <a:effectRef idx="0">
+            <a:schemeClr val="accent1"/>
+          </a:effectRef>
+          <a:fontRef idx="minor">
+            <a:schemeClr val="lt1"/>
+          </a:fontRef>
+        </p:style>
+        <p:txBody>
+          <a:bodyPr rtlCol="0" anchor="ctr"/>
+          <a:lstStyle/>
+          <a:p>
+            <a:pPr algn="ctr"/>
+            <a:endParaRPr lang="sv-SE"/>
+          </a:p>
+        </p:txBody>
+      </p:sp>
+      <p:sp>
+        <p:nvSpPr>
+          <p:cNvPr id="14" name="textruta 13"/>
+          <p:cNvSpPr txBox="1"/>
+          <p:nvPr/>
+        </p:nvSpPr>
+        <p:spPr>
+          <a:xfrm>
+            <a:off x="5868144" y="908720"/>
+            <a:ext cx="1296144" cy="246221"/>
+          </a:xfrm>
+          <a:prstGeom prst="rect">
+            <a:avLst/>
+          </a:prstGeom>
+          <a:noFill/>
+        </p:spPr>
+        <p:txBody>
+          <a:bodyPr wrap="square" rtlCol="0">
+            <a:spAutoFit/>
+          </a:bodyPr>
+          <a:lstStyle/>
+          <a:p>
+            <a:r>
+              <a:rPr lang="sv-SE" sz="1000" dirty="0" err="1" smtClean="0"/>
+              <a:t>Ljud-feedback</a:t>
+            </a:r>
+            <a:endParaRPr lang="sv-SE" sz="1000" dirty="0"/>
+          </a:p>
+        </p:txBody>
+      </p:sp>
+      <p:sp>
+        <p:nvSpPr>
+          <p:cNvPr id="16" name="Ellips 15"/>
+          <p:cNvSpPr/>
+          <p:nvPr/>
+        </p:nvSpPr>
+        <p:spPr>
+          <a:xfrm>
+            <a:off x="1403648" y="404664"/>
+            <a:ext cx="1944216" cy="504056"/>
+          </a:xfrm>
+          <a:prstGeom prst="ellipse">
+            <a:avLst/>
+          </a:prstGeom>
+          <a:solidFill>
+            <a:schemeClr val="bg1"/>
+          </a:solidFill>
+        </p:spPr>
+        <p:style>
+          <a:lnRef idx="2">
+            <a:schemeClr val="accent1">
+              <a:shade val="50000"/>
+            </a:schemeClr>
+          </a:lnRef>
+          <a:fillRef idx="1">
+            <a:schemeClr val="accent1"/>
+          </a:fillRef>
+          <a:effectRef idx="0">
+            <a:schemeClr val="accent1"/>
+          </a:effectRef>
+          <a:fontRef idx="minor">
+            <a:schemeClr val="lt1"/>
+          </a:fontRef>
+        </p:style>
+        <p:txBody>
+          <a:bodyPr rtlCol="0" anchor="ctr"/>
+          <a:lstStyle/>
+          <a:p>
+            <a:pPr algn="ctr"/>
+            <a:endParaRPr lang="sv-SE"/>
+          </a:p>
+        </p:txBody>
+      </p:sp>
+      <p:sp>
+        <p:nvSpPr>
+          <p:cNvPr id="17" name="textruta 16"/>
+          <p:cNvSpPr txBox="1"/>
+          <p:nvPr/>
+        </p:nvSpPr>
+        <p:spPr>
+          <a:xfrm>
+            <a:off x="1619672" y="548680"/>
+            <a:ext cx="1584176" cy="400110"/>
+          </a:xfrm>
+          <a:prstGeom prst="rect">
+            <a:avLst/>
+          </a:prstGeom>
+          <a:noFill/>
+        </p:spPr>
+        <p:txBody>
+          <a:bodyPr wrap="square" rtlCol="0">
+            <a:spAutoFit/>
+          </a:bodyPr>
+          <a:lstStyle/>
+          <a:p>
+            <a:pPr algn="ctr"/>
+            <a:r>
+              <a:rPr lang="sv-SE" sz="1000" dirty="0" smtClean="0"/>
+              <a:t>Andra personen ångrar </a:t>
+            </a:r>
+            <a:r>
+              <a:rPr lang="sv-SE" sz="1000" dirty="0" err="1" smtClean="0"/>
+              <a:t>sig-feedback</a:t>
             </a:r>
             <a:endParaRPr lang="sv-SE" sz="1000" dirty="0"/>
           </a:p>

--- a/Presentation/hugtree.pptx
+++ b/Presentation/hugtree.pptx
@@ -289,7 +289,7 @@
             <a:fld id="{67580A74-3BFA-463F-B4B6-117FA96A8B56}" type="datetimeFigureOut">
               <a:rPr lang="sv-SE" smtClean="0"/>
               <a:pPr/>
-              <a:t>2017-04-25</a:t>
+              <a:t>2017-05-04</a:t>
             </a:fld>
             <a:endParaRPr lang="sv-SE"/>
           </a:p>
@@ -456,7 +456,7 @@
             <a:fld id="{67580A74-3BFA-463F-B4B6-117FA96A8B56}" type="datetimeFigureOut">
               <a:rPr lang="sv-SE" smtClean="0"/>
               <a:pPr/>
-              <a:t>2017-04-25</a:t>
+              <a:t>2017-05-04</a:t>
             </a:fld>
             <a:endParaRPr lang="sv-SE"/>
           </a:p>
@@ -633,7 +633,7 @@
             <a:fld id="{67580A74-3BFA-463F-B4B6-117FA96A8B56}" type="datetimeFigureOut">
               <a:rPr lang="sv-SE" smtClean="0"/>
               <a:pPr/>
-              <a:t>2017-04-25</a:t>
+              <a:t>2017-05-04</a:t>
             </a:fld>
             <a:endParaRPr lang="sv-SE"/>
           </a:p>
@@ -800,7 +800,7 @@
             <a:fld id="{67580A74-3BFA-463F-B4B6-117FA96A8B56}" type="datetimeFigureOut">
               <a:rPr lang="sv-SE" smtClean="0"/>
               <a:pPr/>
-              <a:t>2017-04-25</a:t>
+              <a:t>2017-05-04</a:t>
             </a:fld>
             <a:endParaRPr lang="sv-SE"/>
           </a:p>
@@ -1043,7 +1043,7 @@
             <a:fld id="{67580A74-3BFA-463F-B4B6-117FA96A8B56}" type="datetimeFigureOut">
               <a:rPr lang="sv-SE" smtClean="0"/>
               <a:pPr/>
-              <a:t>2017-04-25</a:t>
+              <a:t>2017-05-04</a:t>
             </a:fld>
             <a:endParaRPr lang="sv-SE"/>
           </a:p>
@@ -1328,7 +1328,7 @@
             <a:fld id="{67580A74-3BFA-463F-B4B6-117FA96A8B56}" type="datetimeFigureOut">
               <a:rPr lang="sv-SE" smtClean="0"/>
               <a:pPr/>
-              <a:t>2017-04-25</a:t>
+              <a:t>2017-05-04</a:t>
             </a:fld>
             <a:endParaRPr lang="sv-SE"/>
           </a:p>
@@ -1747,7 +1747,7 @@
             <a:fld id="{67580A74-3BFA-463F-B4B6-117FA96A8B56}" type="datetimeFigureOut">
               <a:rPr lang="sv-SE" smtClean="0"/>
               <a:pPr/>
-              <a:t>2017-04-25</a:t>
+              <a:t>2017-05-04</a:t>
             </a:fld>
             <a:endParaRPr lang="sv-SE"/>
           </a:p>
@@ -1862,7 +1862,7 @@
             <a:fld id="{67580A74-3BFA-463F-B4B6-117FA96A8B56}" type="datetimeFigureOut">
               <a:rPr lang="sv-SE" smtClean="0"/>
               <a:pPr/>
-              <a:t>2017-04-25</a:t>
+              <a:t>2017-05-04</a:t>
             </a:fld>
             <a:endParaRPr lang="sv-SE"/>
           </a:p>
@@ -1954,7 +1954,7 @@
             <a:fld id="{67580A74-3BFA-463F-B4B6-117FA96A8B56}" type="datetimeFigureOut">
               <a:rPr lang="sv-SE" smtClean="0"/>
               <a:pPr/>
-              <a:t>2017-04-25</a:t>
+              <a:t>2017-05-04</a:t>
             </a:fld>
             <a:endParaRPr lang="sv-SE"/>
           </a:p>
@@ -2228,7 +2228,7 @@
             <a:fld id="{67580A74-3BFA-463F-B4B6-117FA96A8B56}" type="datetimeFigureOut">
               <a:rPr lang="sv-SE" smtClean="0"/>
               <a:pPr/>
-              <a:t>2017-04-25</a:t>
+              <a:t>2017-05-04</a:t>
             </a:fld>
             <a:endParaRPr lang="sv-SE"/>
           </a:p>
@@ -2478,7 +2478,7 @@
             <a:fld id="{67580A74-3BFA-463F-B4B6-117FA96A8B56}" type="datetimeFigureOut">
               <a:rPr lang="sv-SE" smtClean="0"/>
               <a:pPr/>
-              <a:t>2017-04-25</a:t>
+              <a:t>2017-05-04</a:t>
             </a:fld>
             <a:endParaRPr lang="sv-SE"/>
           </a:p>
@@ -2688,7 +2688,7 @@
             <a:fld id="{67580A74-3BFA-463F-B4B6-117FA96A8B56}" type="datetimeFigureOut">
               <a:rPr lang="sv-SE" smtClean="0"/>
               <a:pPr/>
-              <a:t>2017-04-25</a:t>
+              <a:t>2017-05-04</a:t>
             </a:fld>
             <a:endParaRPr lang="sv-SE"/>
           </a:p>
@@ -3526,6 +3526,102 @@
           </a:p>
         </p:txBody>
       </p:sp>
+      <p:cxnSp>
+        <p:nvCxnSpPr>
+          <p:cNvPr id="18" name="Rak 17"/>
+          <p:cNvCxnSpPr>
+            <a:stCxn id="9" idx="2"/>
+          </p:cNvCxnSpPr>
+          <p:nvPr/>
+        </p:nvCxnSpPr>
+        <p:spPr>
+          <a:xfrm flipH="1">
+            <a:off x="5508104" y="1736812"/>
+            <a:ext cx="288032" cy="396044"/>
+          </a:xfrm>
+          <a:prstGeom prst="line">
+            <a:avLst/>
+          </a:prstGeom>
+        </p:spPr>
+        <p:style>
+          <a:lnRef idx="1">
+            <a:schemeClr val="accent1"/>
+          </a:lnRef>
+          <a:fillRef idx="0">
+            <a:schemeClr val="accent1"/>
+          </a:fillRef>
+          <a:effectRef idx="0">
+            <a:schemeClr val="accent1"/>
+          </a:effectRef>
+          <a:fontRef idx="minor">
+            <a:schemeClr val="tx1"/>
+          </a:fontRef>
+        </p:style>
+      </p:cxnSp>
+      <p:cxnSp>
+        <p:nvCxnSpPr>
+          <p:cNvPr id="20" name="Rak 19"/>
+          <p:cNvCxnSpPr>
+            <a:stCxn id="13" idx="3"/>
+          </p:cNvCxnSpPr>
+          <p:nvPr/>
+        </p:nvCxnSpPr>
+        <p:spPr>
+          <a:xfrm flipH="1">
+            <a:off x="5292080" y="1245860"/>
+            <a:ext cx="541120" cy="814988"/>
+          </a:xfrm>
+          <a:prstGeom prst="line">
+            <a:avLst/>
+          </a:prstGeom>
+        </p:spPr>
+        <p:style>
+          <a:lnRef idx="1">
+            <a:schemeClr val="accent1"/>
+          </a:lnRef>
+          <a:fillRef idx="0">
+            <a:schemeClr val="accent1"/>
+          </a:fillRef>
+          <a:effectRef idx="0">
+            <a:schemeClr val="accent1"/>
+          </a:effectRef>
+          <a:fontRef idx="minor">
+            <a:schemeClr val="tx1"/>
+          </a:fontRef>
+        </p:style>
+      </p:cxnSp>
+      <p:cxnSp>
+        <p:nvCxnSpPr>
+          <p:cNvPr id="22" name="Rak 21"/>
+          <p:cNvCxnSpPr>
+            <a:stCxn id="16" idx="6"/>
+          </p:cNvCxnSpPr>
+          <p:nvPr/>
+        </p:nvCxnSpPr>
+        <p:spPr>
+          <a:xfrm>
+            <a:off x="3347864" y="656692"/>
+            <a:ext cx="792088" cy="1332148"/>
+          </a:xfrm>
+          <a:prstGeom prst="line">
+            <a:avLst/>
+          </a:prstGeom>
+        </p:spPr>
+        <p:style>
+          <a:lnRef idx="1">
+            <a:schemeClr val="accent1"/>
+          </a:lnRef>
+          <a:fillRef idx="0">
+            <a:schemeClr val="accent1"/>
+          </a:fillRef>
+          <a:effectRef idx="0">
+            <a:schemeClr val="accent1"/>
+          </a:effectRef>
+          <a:fontRef idx="minor">
+            <a:schemeClr val="tx1"/>
+          </a:fontRef>
+        </p:style>
+      </p:cxnSp>
     </p:spTree>
   </p:cSld>
   <p:clrMapOvr>
